--- a/MLProject.pptx
+++ b/MLProject.pptx
@@ -37,7 +37,7 @@
     <p:sldId id="282" r:id="rId28"/>
   </p:sldIdLst>
   <p:sldSz cx="9144000" cy="6858000" type="screen4x3"/>
-  <p:notesSz cx="6858000" cy="9144000"/>
+  <p:notesSz cx="6858000" cy="9296400"/>
   <p:embeddedFontLst>
     <p:embeddedFont>
       <p:font typeface="Calibri" panose="020F0502020204030204" pitchFamily="34" charset="0"/>
@@ -336,8 +336,8 @@
         </p:nvSpPr>
         <p:spPr>
           <a:xfrm>
-            <a:off x="1143225" y="685800"/>
-            <a:ext cx="4572225" cy="3429000"/>
+            <a:off x="1104900" y="696913"/>
+            <a:ext cx="4648200" cy="3486150"/>
           </a:xfrm>
           <a:custGeom>
             <a:avLst/>
@@ -387,8 +387,8 @@
         </p:nvSpPr>
         <p:spPr>
           <a:xfrm>
-            <a:off x="685800" y="4343400"/>
-            <a:ext cx="5486400" cy="4114800"/>
+            <a:off x="685800" y="4415790"/>
+            <a:ext cx="5486400" cy="4183380"/>
           </a:xfrm>
           <a:prstGeom prst="rect">
             <a:avLst/>
@@ -770,8 +770,8 @@
         </p:nvSpPr>
         <p:spPr>
           <a:xfrm>
-            <a:off x="685800" y="4343400"/>
-            <a:ext cx="5486400" cy="4114800"/>
+            <a:off x="685800" y="4415790"/>
+            <a:ext cx="5486400" cy="4183380"/>
           </a:xfrm>
           <a:prstGeom prst="rect">
             <a:avLst/>
@@ -808,8 +808,8 @@
         </p:nvSpPr>
         <p:spPr>
           <a:xfrm>
-            <a:off x="1143000" y="685800"/>
-            <a:ext cx="4572000" cy="3429000"/>
+            <a:off x="1104900" y="696913"/>
+            <a:ext cx="4648200" cy="3486150"/>
           </a:xfrm>
           <a:custGeom>
             <a:avLst/>
@@ -874,8 +874,8 @@
         </p:nvSpPr>
         <p:spPr>
           <a:xfrm>
-            <a:off x="1143000" y="685800"/>
-            <a:ext cx="4572000" cy="3429000"/>
+            <a:off x="1104900" y="696913"/>
+            <a:ext cx="4648200" cy="3486150"/>
           </a:xfrm>
           <a:custGeom>
             <a:avLst/>
@@ -915,8 +915,8 @@
         </p:nvSpPr>
         <p:spPr>
           <a:xfrm>
-            <a:off x="685800" y="4343400"/>
-            <a:ext cx="5486400" cy="4114800"/>
+            <a:off x="685800" y="4415790"/>
+            <a:ext cx="5486400" cy="4183380"/>
           </a:xfrm>
           <a:prstGeom prst="rect">
             <a:avLst/>
@@ -978,8 +978,8 @@
         </p:nvSpPr>
         <p:spPr>
           <a:xfrm>
-            <a:off x="1143000" y="685800"/>
-            <a:ext cx="4572000" cy="3429000"/>
+            <a:off x="1104900" y="696913"/>
+            <a:ext cx="4648200" cy="3486150"/>
           </a:xfrm>
           <a:custGeom>
             <a:avLst/>
@@ -1019,8 +1019,8 @@
         </p:nvSpPr>
         <p:spPr>
           <a:xfrm>
-            <a:off x="685800" y="4343400"/>
-            <a:ext cx="5486400" cy="4114800"/>
+            <a:off x="685800" y="4415790"/>
+            <a:ext cx="5486400" cy="4183380"/>
           </a:xfrm>
           <a:prstGeom prst="rect">
             <a:avLst/>
@@ -1082,8 +1082,8 @@
         </p:nvSpPr>
         <p:spPr>
           <a:xfrm>
-            <a:off x="1143000" y="685800"/>
-            <a:ext cx="4572000" cy="3429000"/>
+            <a:off x="1104900" y="696913"/>
+            <a:ext cx="4648200" cy="3486150"/>
           </a:xfrm>
           <a:custGeom>
             <a:avLst/>
@@ -1123,8 +1123,8 @@
         </p:nvSpPr>
         <p:spPr>
           <a:xfrm>
-            <a:off x="685800" y="4343400"/>
-            <a:ext cx="5486400" cy="4114800"/>
+            <a:off x="685800" y="4415790"/>
+            <a:ext cx="5486400" cy="4183380"/>
           </a:xfrm>
           <a:prstGeom prst="rect">
             <a:avLst/>
@@ -1186,8 +1186,8 @@
         </p:nvSpPr>
         <p:spPr>
           <a:xfrm>
-            <a:off x="1143000" y="685800"/>
-            <a:ext cx="4572000" cy="3429000"/>
+            <a:off x="1104900" y="696913"/>
+            <a:ext cx="4648200" cy="3486150"/>
           </a:xfrm>
           <a:custGeom>
             <a:avLst/>
@@ -1227,8 +1227,8 @@
         </p:nvSpPr>
         <p:spPr>
           <a:xfrm>
-            <a:off x="685800" y="4343400"/>
-            <a:ext cx="5486400" cy="4114800"/>
+            <a:off x="685800" y="4415790"/>
+            <a:ext cx="5486400" cy="4183380"/>
           </a:xfrm>
           <a:prstGeom prst="rect">
             <a:avLst/>
@@ -1290,8 +1290,8 @@
         </p:nvSpPr>
         <p:spPr>
           <a:xfrm>
-            <a:off x="1143000" y="685800"/>
-            <a:ext cx="4572000" cy="3429000"/>
+            <a:off x="1104900" y="696913"/>
+            <a:ext cx="4648200" cy="3486150"/>
           </a:xfrm>
           <a:custGeom>
             <a:avLst/>
@@ -1331,8 +1331,8 @@
         </p:nvSpPr>
         <p:spPr>
           <a:xfrm>
-            <a:off x="685800" y="4343400"/>
-            <a:ext cx="5486400" cy="4114800"/>
+            <a:off x="685800" y="4415790"/>
+            <a:ext cx="5486400" cy="4183380"/>
           </a:xfrm>
           <a:prstGeom prst="rect">
             <a:avLst/>
@@ -1394,8 +1394,8 @@
         </p:nvSpPr>
         <p:spPr>
           <a:xfrm>
-            <a:off x="1143000" y="685800"/>
-            <a:ext cx="4572000" cy="3429000"/>
+            <a:off x="1104900" y="696913"/>
+            <a:ext cx="4648200" cy="3486150"/>
           </a:xfrm>
           <a:custGeom>
             <a:avLst/>
@@ -1435,8 +1435,8 @@
         </p:nvSpPr>
         <p:spPr>
           <a:xfrm>
-            <a:off x="685800" y="4343400"/>
-            <a:ext cx="5486400" cy="4114800"/>
+            <a:off x="685800" y="4415790"/>
+            <a:ext cx="5486400" cy="4183380"/>
           </a:xfrm>
           <a:prstGeom prst="rect">
             <a:avLst/>
@@ -1498,8 +1498,8 @@
         </p:nvSpPr>
         <p:spPr>
           <a:xfrm>
-            <a:off x="1143000" y="685800"/>
-            <a:ext cx="4572000" cy="3429000"/>
+            <a:off x="1104900" y="696913"/>
+            <a:ext cx="4648200" cy="3486150"/>
           </a:xfrm>
           <a:custGeom>
             <a:avLst/>
@@ -1539,8 +1539,8 @@
         </p:nvSpPr>
         <p:spPr>
           <a:xfrm>
-            <a:off x="685800" y="4343400"/>
-            <a:ext cx="5486400" cy="4114800"/>
+            <a:off x="685800" y="4415790"/>
+            <a:ext cx="5486400" cy="4183380"/>
           </a:xfrm>
           <a:prstGeom prst="rect">
             <a:avLst/>
@@ -1606,8 +1606,8 @@
         </p:nvSpPr>
         <p:spPr>
           <a:xfrm>
-            <a:off x="1143000" y="685800"/>
-            <a:ext cx="4572000" cy="3429000"/>
+            <a:off x="1104900" y="696913"/>
+            <a:ext cx="4648200" cy="3486150"/>
           </a:xfrm>
           <a:custGeom>
             <a:avLst/>
@@ -1647,8 +1647,8 @@
         </p:nvSpPr>
         <p:spPr>
           <a:xfrm>
-            <a:off x="685800" y="4343400"/>
-            <a:ext cx="5486400" cy="4114800"/>
+            <a:off x="685800" y="4415790"/>
+            <a:ext cx="5486400" cy="4183380"/>
           </a:xfrm>
           <a:prstGeom prst="rect">
             <a:avLst/>
@@ -1730,8 +1730,8 @@
         </p:nvSpPr>
         <p:spPr>
           <a:xfrm>
-            <a:off x="1143000" y="685800"/>
-            <a:ext cx="4572000" cy="3429000"/>
+            <a:off x="1104900" y="696913"/>
+            <a:ext cx="4648200" cy="3486150"/>
           </a:xfrm>
           <a:custGeom>
             <a:avLst/>
@@ -1771,8 +1771,8 @@
         </p:nvSpPr>
         <p:spPr>
           <a:xfrm>
-            <a:off x="685800" y="4343400"/>
-            <a:ext cx="5486400" cy="4114800"/>
+            <a:off x="685800" y="4415790"/>
+            <a:ext cx="5486400" cy="4183380"/>
           </a:xfrm>
           <a:prstGeom prst="rect">
             <a:avLst/>
@@ -1834,8 +1834,8 @@
         </p:nvSpPr>
         <p:spPr>
           <a:xfrm>
-            <a:off x="1143000" y="685800"/>
-            <a:ext cx="4572000" cy="3429000"/>
+            <a:off x="1104900" y="696913"/>
+            <a:ext cx="4648200" cy="3486150"/>
           </a:xfrm>
           <a:custGeom>
             <a:avLst/>
@@ -1875,8 +1875,8 @@
         </p:nvSpPr>
         <p:spPr>
           <a:xfrm>
-            <a:off x="685800" y="4343400"/>
-            <a:ext cx="5486400" cy="4114800"/>
+            <a:off x="685800" y="4415790"/>
+            <a:ext cx="5486400" cy="4183380"/>
           </a:xfrm>
           <a:prstGeom prst="rect">
             <a:avLst/>
@@ -1938,8 +1938,8 @@
         </p:nvSpPr>
         <p:spPr>
           <a:xfrm>
-            <a:off x="685800" y="4343400"/>
-            <a:ext cx="5486400" cy="4114800"/>
+            <a:off x="685800" y="4415790"/>
+            <a:ext cx="5486400" cy="4183380"/>
           </a:xfrm>
           <a:prstGeom prst="rect">
             <a:avLst/>
@@ -1976,8 +1976,8 @@
         </p:nvSpPr>
         <p:spPr>
           <a:xfrm>
-            <a:off x="1143000" y="685800"/>
-            <a:ext cx="4572000" cy="3429000"/>
+            <a:off x="1104900" y="696913"/>
+            <a:ext cx="4648200" cy="3486150"/>
           </a:xfrm>
           <a:custGeom>
             <a:avLst/>
@@ -2042,8 +2042,8 @@
         </p:nvSpPr>
         <p:spPr>
           <a:xfrm>
-            <a:off x="685800" y="4343400"/>
-            <a:ext cx="5486400" cy="4114800"/>
+            <a:off x="685800" y="4415790"/>
+            <a:ext cx="5486400" cy="4183380"/>
           </a:xfrm>
           <a:prstGeom prst="rect">
             <a:avLst/>
@@ -2080,8 +2080,8 @@
         </p:nvSpPr>
         <p:spPr>
           <a:xfrm>
-            <a:off x="1143000" y="685800"/>
-            <a:ext cx="4572000" cy="3429000"/>
+            <a:off x="1104900" y="696913"/>
+            <a:ext cx="4648200" cy="3486150"/>
           </a:xfrm>
           <a:custGeom>
             <a:avLst/>
@@ -2146,8 +2146,8 @@
         </p:nvSpPr>
         <p:spPr>
           <a:xfrm>
-            <a:off x="1143000" y="685800"/>
-            <a:ext cx="4572000" cy="3429000"/>
+            <a:off x="1104900" y="696913"/>
+            <a:ext cx="4648200" cy="3486150"/>
           </a:xfrm>
           <a:custGeom>
             <a:avLst/>
@@ -2187,8 +2187,8 @@
         </p:nvSpPr>
         <p:spPr>
           <a:xfrm>
-            <a:off x="685800" y="4343400"/>
-            <a:ext cx="5486400" cy="4114800"/>
+            <a:off x="685800" y="4415790"/>
+            <a:ext cx="5486400" cy="4183380"/>
           </a:xfrm>
           <a:prstGeom prst="rect">
             <a:avLst/>
@@ -2250,8 +2250,8 @@
         </p:nvSpPr>
         <p:spPr>
           <a:xfrm>
-            <a:off x="1143000" y="685800"/>
-            <a:ext cx="4572000" cy="3429000"/>
+            <a:off x="1104900" y="696913"/>
+            <a:ext cx="4648200" cy="3486150"/>
           </a:xfrm>
           <a:custGeom>
             <a:avLst/>
@@ -2291,8 +2291,8 @@
         </p:nvSpPr>
         <p:spPr>
           <a:xfrm>
-            <a:off x="685800" y="4343400"/>
-            <a:ext cx="5486400" cy="4114800"/>
+            <a:off x="685800" y="4415790"/>
+            <a:ext cx="5486400" cy="4183380"/>
           </a:xfrm>
           <a:prstGeom prst="rect">
             <a:avLst/>
@@ -2354,8 +2354,8 @@
         </p:nvSpPr>
         <p:spPr>
           <a:xfrm>
-            <a:off x="1143000" y="685800"/>
-            <a:ext cx="4572000" cy="3429000"/>
+            <a:off x="1104900" y="696913"/>
+            <a:ext cx="4648200" cy="3486150"/>
           </a:xfrm>
           <a:custGeom>
             <a:avLst/>
@@ -2395,8 +2395,8 @@
         </p:nvSpPr>
         <p:spPr>
           <a:xfrm>
-            <a:off x="685800" y="4343400"/>
-            <a:ext cx="5486400" cy="4114800"/>
+            <a:off x="685800" y="4415790"/>
+            <a:ext cx="5486400" cy="4183380"/>
           </a:xfrm>
           <a:prstGeom prst="rect">
             <a:avLst/>
@@ -2458,8 +2458,8 @@
         </p:nvSpPr>
         <p:spPr>
           <a:xfrm>
-            <a:off x="1143000" y="685800"/>
-            <a:ext cx="4572000" cy="3429000"/>
+            <a:off x="1104900" y="696913"/>
+            <a:ext cx="4648200" cy="3486150"/>
           </a:xfrm>
           <a:custGeom>
             <a:avLst/>
@@ -2499,8 +2499,8 @@
         </p:nvSpPr>
         <p:spPr>
           <a:xfrm>
-            <a:off x="685800" y="4343400"/>
-            <a:ext cx="5486400" cy="4114800"/>
+            <a:off x="685800" y="4415790"/>
+            <a:ext cx="5486400" cy="4183380"/>
           </a:xfrm>
           <a:prstGeom prst="rect">
             <a:avLst/>
@@ -2562,8 +2562,8 @@
         </p:nvSpPr>
         <p:spPr>
           <a:xfrm>
-            <a:off x="1143000" y="685800"/>
-            <a:ext cx="4572000" cy="3429000"/>
+            <a:off x="1104900" y="696913"/>
+            <a:ext cx="4648200" cy="3486150"/>
           </a:xfrm>
           <a:custGeom>
             <a:avLst/>
@@ -2603,8 +2603,8 @@
         </p:nvSpPr>
         <p:spPr>
           <a:xfrm>
-            <a:off x="685800" y="4343400"/>
-            <a:ext cx="5486400" cy="4114800"/>
+            <a:off x="685800" y="4415790"/>
+            <a:ext cx="5486400" cy="4183380"/>
           </a:xfrm>
           <a:prstGeom prst="rect">
             <a:avLst/>
@@ -2666,8 +2666,8 @@
         </p:nvSpPr>
         <p:spPr>
           <a:xfrm>
-            <a:off x="1143000" y="685800"/>
-            <a:ext cx="4572000" cy="3429000"/>
+            <a:off x="1104900" y="696913"/>
+            <a:ext cx="4648200" cy="3486150"/>
           </a:xfrm>
           <a:custGeom>
             <a:avLst/>
@@ -2707,8 +2707,8 @@
         </p:nvSpPr>
         <p:spPr>
           <a:xfrm>
-            <a:off x="685800" y="4343400"/>
-            <a:ext cx="5486400" cy="4114800"/>
+            <a:off x="685800" y="4415790"/>
+            <a:ext cx="5486400" cy="4183380"/>
           </a:xfrm>
           <a:prstGeom prst="rect">
             <a:avLst/>
@@ -2770,8 +2770,8 @@
         </p:nvSpPr>
         <p:spPr>
           <a:xfrm>
-            <a:off x="1143000" y="685800"/>
-            <a:ext cx="4572000" cy="3429000"/>
+            <a:off x="1104900" y="696913"/>
+            <a:ext cx="4648200" cy="3486150"/>
           </a:xfrm>
           <a:custGeom>
             <a:avLst/>
@@ -2811,8 +2811,8 @@
         </p:nvSpPr>
         <p:spPr>
           <a:xfrm>
-            <a:off x="685800" y="4343400"/>
-            <a:ext cx="5486400" cy="4114800"/>
+            <a:off x="685800" y="4415790"/>
+            <a:ext cx="5486400" cy="4183380"/>
           </a:xfrm>
           <a:prstGeom prst="rect">
             <a:avLst/>
@@ -2874,8 +2874,8 @@
         </p:nvSpPr>
         <p:spPr>
           <a:xfrm>
-            <a:off x="685800" y="4343400"/>
-            <a:ext cx="5486400" cy="4114800"/>
+            <a:off x="685800" y="4415790"/>
+            <a:ext cx="5486400" cy="4183380"/>
           </a:xfrm>
           <a:prstGeom prst="rect">
             <a:avLst/>
@@ -2912,8 +2912,8 @@
         </p:nvSpPr>
         <p:spPr>
           <a:xfrm>
-            <a:off x="1143000" y="685800"/>
-            <a:ext cx="4572000" cy="3429000"/>
+            <a:off x="1104900" y="696913"/>
+            <a:ext cx="4648200" cy="3486150"/>
           </a:xfrm>
           <a:custGeom>
             <a:avLst/>
@@ -2978,8 +2978,8 @@
         </p:nvSpPr>
         <p:spPr>
           <a:xfrm>
-            <a:off x="685800" y="4343400"/>
-            <a:ext cx="5486400" cy="4114800"/>
+            <a:off x="685800" y="4415790"/>
+            <a:ext cx="5486400" cy="4183380"/>
           </a:xfrm>
           <a:prstGeom prst="rect">
             <a:avLst/>
@@ -3016,8 +3016,8 @@
         </p:nvSpPr>
         <p:spPr>
           <a:xfrm>
-            <a:off x="1143000" y="685800"/>
-            <a:ext cx="4572000" cy="3429000"/>
+            <a:off x="1104900" y="696913"/>
+            <a:ext cx="4648200" cy="3486150"/>
           </a:xfrm>
           <a:custGeom>
             <a:avLst/>
@@ -3082,8 +3082,8 @@
         </p:nvSpPr>
         <p:spPr>
           <a:xfrm>
-            <a:off x="685800" y="4343400"/>
-            <a:ext cx="5486400" cy="4114800"/>
+            <a:off x="685800" y="4415790"/>
+            <a:ext cx="5486400" cy="4183380"/>
           </a:xfrm>
           <a:prstGeom prst="rect">
             <a:avLst/>
@@ -3120,8 +3120,8 @@
         </p:nvSpPr>
         <p:spPr>
           <a:xfrm>
-            <a:off x="1143000" y="685800"/>
-            <a:ext cx="4572000" cy="3429000"/>
+            <a:off x="1104900" y="696913"/>
+            <a:ext cx="4648200" cy="3486150"/>
           </a:xfrm>
           <a:custGeom>
             <a:avLst/>
@@ -3186,8 +3186,8 @@
         </p:nvSpPr>
         <p:spPr>
           <a:xfrm>
-            <a:off x="685800" y="4343400"/>
-            <a:ext cx="5486400" cy="4114800"/>
+            <a:off x="685800" y="4415790"/>
+            <a:ext cx="5486400" cy="4183380"/>
           </a:xfrm>
           <a:prstGeom prst="rect">
             <a:avLst/>
@@ -3224,8 +3224,8 @@
         </p:nvSpPr>
         <p:spPr>
           <a:xfrm>
-            <a:off x="1143000" y="685800"/>
-            <a:ext cx="4572000" cy="3429000"/>
+            <a:off x="1104900" y="696913"/>
+            <a:ext cx="4648200" cy="3486150"/>
           </a:xfrm>
           <a:custGeom>
             <a:avLst/>
@@ -3290,8 +3290,8 @@
         </p:nvSpPr>
         <p:spPr>
           <a:xfrm>
-            <a:off x="685800" y="4343400"/>
-            <a:ext cx="5486400" cy="4114800"/>
+            <a:off x="685800" y="4415790"/>
+            <a:ext cx="5486400" cy="4183380"/>
           </a:xfrm>
           <a:prstGeom prst="rect">
             <a:avLst/>
@@ -3328,8 +3328,8 @@
         </p:nvSpPr>
         <p:spPr>
           <a:xfrm>
-            <a:off x="1143000" y="685800"/>
-            <a:ext cx="4572000" cy="3429000"/>
+            <a:off x="1104900" y="696913"/>
+            <a:ext cx="4648200" cy="3486150"/>
           </a:xfrm>
           <a:custGeom>
             <a:avLst/>
@@ -3394,8 +3394,8 @@
         </p:nvSpPr>
         <p:spPr>
           <a:xfrm>
-            <a:off x="685800" y="4343400"/>
-            <a:ext cx="5486400" cy="4114800"/>
+            <a:off x="685800" y="4415790"/>
+            <a:ext cx="5486400" cy="4183380"/>
           </a:xfrm>
           <a:prstGeom prst="rect">
             <a:avLst/>
@@ -3432,8 +3432,8 @@
         </p:nvSpPr>
         <p:spPr>
           <a:xfrm>
-            <a:off x="1143000" y="685800"/>
-            <a:ext cx="4572000" cy="3429000"/>
+            <a:off x="1104900" y="696913"/>
+            <a:ext cx="4648200" cy="3486150"/>
           </a:xfrm>
           <a:custGeom>
             <a:avLst/>
@@ -3498,8 +3498,8 @@
         </p:nvSpPr>
         <p:spPr>
           <a:xfrm>
-            <a:off x="1143000" y="685800"/>
-            <a:ext cx="4572000" cy="3429000"/>
+            <a:off x="1104900" y="696913"/>
+            <a:ext cx="4648200" cy="3486150"/>
           </a:xfrm>
           <a:custGeom>
             <a:avLst/>
@@ -3539,8 +3539,8 @@
         </p:nvSpPr>
         <p:spPr>
           <a:xfrm>
-            <a:off x="685800" y="4343400"/>
-            <a:ext cx="5486400" cy="4114800"/>
+            <a:off x="685800" y="4415790"/>
+            <a:ext cx="5486400" cy="4183380"/>
           </a:xfrm>
           <a:prstGeom prst="rect">
             <a:avLst/>
@@ -18339,34 +18339,100 @@
           </a:p>
         </p:txBody>
       </p:sp>
-      <p:pic>
-        <p:nvPicPr>
-          <p:cNvPr id="188" name="Google Shape;188;p27"/>
-          <p:cNvPicPr preferRelativeResize="0"/>
+      <p:grpSp>
+        <p:nvGrpSpPr>
+          <p:cNvPr id="2" name="Group 1">
+            <a:extLst>
+              <a:ext uri="{FF2B5EF4-FFF2-40B4-BE49-F238E27FC236}">
+                <a16:creationId xmlns:a16="http://schemas.microsoft.com/office/drawing/2014/main" id="{12D03D12-2F62-475A-804B-9EEDDE4CF7FE}"/>
+              </a:ext>
+            </a:extLst>
+          </p:cNvPr>
+          <p:cNvGrpSpPr/>
           <p:nvPr/>
-        </p:nvPicPr>
-        <p:blipFill>
-          <a:blip r:embed="rId3">
-            <a:alphaModFix/>
-          </a:blip>
-          <a:stretch>
-            <a:fillRect/>
-          </a:stretch>
-        </p:blipFill>
-        <p:spPr>
+        </p:nvGrpSpPr>
+        <p:grpSpPr>
           <a:xfrm>
             <a:off x="4647600" y="3719950"/>
-            <a:ext cx="4114800" cy="2743200"/>
+            <a:ext cx="4128000" cy="2743200"/>
+            <a:chOff x="4647600" y="3719950"/>
+            <a:chExt cx="4128000" cy="2743200"/>
           </a:xfrm>
-          <a:prstGeom prst="rect">
-            <a:avLst/>
-          </a:prstGeom>
-          <a:noFill/>
-          <a:ln>
+        </p:grpSpPr>
+        <p:pic>
+          <p:nvPicPr>
+            <p:cNvPr id="188" name="Google Shape;188;p27"/>
+            <p:cNvPicPr preferRelativeResize="0"/>
+            <p:nvPr/>
+          </p:nvPicPr>
+          <p:blipFill>
+            <a:blip r:embed="rId3">
+              <a:alphaModFix/>
+            </a:blip>
+            <a:stretch>
+              <a:fillRect/>
+            </a:stretch>
+          </p:blipFill>
+          <p:spPr>
+            <a:xfrm>
+              <a:off x="4647600" y="3719950"/>
+              <a:ext cx="4114800" cy="2743200"/>
+            </a:xfrm>
+            <a:prstGeom prst="rect">
+              <a:avLst/>
+            </a:prstGeom>
             <a:noFill/>
-          </a:ln>
-        </p:spPr>
-      </p:pic>
+            <a:ln>
+              <a:noFill/>
+            </a:ln>
+          </p:spPr>
+        </p:pic>
+        <p:pic>
+          <p:nvPicPr>
+            <p:cNvPr id="1027" name="Picture 3" descr="https://lh3.googleusercontent.com/t4S7OtRe-x6tDXdFWu5ei-8aop376lXJRVPQlmVk-G8Wg60pAmtEfZHpYc5fMpDGbFNjkD9O1fauE4dDW08sDfZoNGY0qXtIbo3iAUXBQkz0cBZ8PB6UJ_PxuS9Rvo680xJs3nsoyuI">
+              <a:extLst>
+                <a:ext uri="{FF2B5EF4-FFF2-40B4-BE49-F238E27FC236}">
+                  <a16:creationId xmlns:a16="http://schemas.microsoft.com/office/drawing/2014/main" id="{E2989B05-304A-4EB8-88B3-A6328796F27F}"/>
+                </a:ext>
+              </a:extLst>
+            </p:cNvPr>
+            <p:cNvPicPr>
+              <a:picLocks noChangeAspect="1" noChangeArrowheads="1"/>
+            </p:cNvPicPr>
+            <p:nvPr/>
+          </p:nvPicPr>
+          <p:blipFill rotWithShape="1">
+            <a:blip r:embed="rId4">
+              <a:extLst>
+                <a:ext uri="{28A0092B-C50C-407E-A947-70E740481C1C}">
+                  <a14:useLocalDpi xmlns:a14="http://schemas.microsoft.com/office/drawing/2010/main" val="0"/>
+                </a:ext>
+              </a:extLst>
+            </a:blip>
+            <a:srcRect t="11363"/>
+            <a:stretch/>
+          </p:blipFill>
+          <p:spPr bwMode="auto">
+            <a:xfrm>
+              <a:off x="4660800" y="4031672"/>
+              <a:ext cx="4114800" cy="2431477"/>
+            </a:xfrm>
+            <a:prstGeom prst="rect">
+              <a:avLst/>
+            </a:prstGeom>
+            <a:noFill/>
+            <a:extLst>
+              <a:ext uri="{909E8E84-426E-40DD-AFC4-6F175D3DCCD1}">
+                <a14:hiddenFill xmlns:a14="http://schemas.microsoft.com/office/drawing/2010/main">
+                  <a:solidFill>
+                    <a:srgbClr val="FFFFFF"/>
+                  </a:solidFill>
+                </a14:hiddenFill>
+              </a:ext>
+            </a:extLst>
+          </p:spPr>
+        </p:pic>
+      </p:grpSp>
     </p:spTree>
   </p:cSld>
   <p:clrMapOvr>

--- a/MLProject.pptx
+++ b/MLProject.pptx
@@ -5,7 +5,7 @@
     <p:sldMasterId id="2147483659" r:id="rId1"/>
   </p:sldMasterIdLst>
   <p:notesMasterIdLst>
-    <p:notesMasterId r:id="rId29"/>
+    <p:notesMasterId r:id="rId31"/>
   </p:notesMasterIdLst>
   <p:sldIdLst>
     <p:sldId id="256" r:id="rId2"/>
@@ -25,33 +25,35 @@
     <p:sldId id="270" r:id="rId16"/>
     <p:sldId id="271" r:id="rId17"/>
     <p:sldId id="272" r:id="rId18"/>
-    <p:sldId id="273" r:id="rId19"/>
-    <p:sldId id="274" r:id="rId20"/>
-    <p:sldId id="275" r:id="rId21"/>
-    <p:sldId id="276" r:id="rId22"/>
-    <p:sldId id="277" r:id="rId23"/>
-    <p:sldId id="279" r:id="rId24"/>
-    <p:sldId id="278" r:id="rId25"/>
-    <p:sldId id="280" r:id="rId26"/>
-    <p:sldId id="281" r:id="rId27"/>
-    <p:sldId id="282" r:id="rId28"/>
+    <p:sldId id="283" r:id="rId19"/>
+    <p:sldId id="284" r:id="rId20"/>
+    <p:sldId id="273" r:id="rId21"/>
+    <p:sldId id="274" r:id="rId22"/>
+    <p:sldId id="275" r:id="rId23"/>
+    <p:sldId id="276" r:id="rId24"/>
+    <p:sldId id="277" r:id="rId25"/>
+    <p:sldId id="279" r:id="rId26"/>
+    <p:sldId id="278" r:id="rId27"/>
+    <p:sldId id="280" r:id="rId28"/>
+    <p:sldId id="281" r:id="rId29"/>
+    <p:sldId id="282" r:id="rId30"/>
   </p:sldIdLst>
   <p:sldSz cx="9144000" cy="6858000" type="screen4x3"/>
   <p:notesSz cx="6858000" cy="9296400"/>
   <p:embeddedFontLst>
     <p:embeddedFont>
       <p:font typeface="Calibri" panose="020F0502020204030204" pitchFamily="34" charset="0"/>
-      <p:regular r:id="rId30"/>
-      <p:bold r:id="rId31"/>
-      <p:italic r:id="rId32"/>
-      <p:boldItalic r:id="rId33"/>
+      <p:regular r:id="rId32"/>
+      <p:bold r:id="rId33"/>
+      <p:italic r:id="rId34"/>
+      <p:boldItalic r:id="rId35"/>
     </p:embeddedFont>
     <p:embeddedFont>
       <p:font typeface="Source Sans Pro" panose="020B0503030403020204" pitchFamily="34" charset="0"/>
-      <p:regular r:id="rId34"/>
-      <p:bold r:id="rId35"/>
-      <p:italic r:id="rId36"/>
-      <p:boldItalic r:id="rId37"/>
+      <p:regular r:id="rId36"/>
+      <p:bold r:id="rId37"/>
+      <p:italic r:id="rId38"/>
+      <p:boldItalic r:id="rId39"/>
     </p:embeddedFont>
   </p:embeddedFontLst>
   <p:defaultTextStyle>
@@ -18684,7 +18686,7 @@
                   <a:schemeClr val="accent3"/>
                 </a:solidFill>
               </a:rPr>
-              <a:t>83.4</a:t>
+              <a:t>83.6</a:t>
             </a:r>
             <a:r>
               <a:rPr lang="en-US" dirty="0"/>
@@ -18696,7 +18698,7 @@
                   <a:schemeClr val="accent3"/>
                 </a:solidFill>
               </a:rPr>
-              <a:t>84.4</a:t>
+              <a:t>83.8</a:t>
             </a:r>
             <a:endParaRPr dirty="0"/>
           </a:p>
@@ -18721,7 +18723,7 @@
                   <a:schemeClr val="accent3"/>
                 </a:solidFill>
               </a:rPr>
-              <a:t>81.7</a:t>
+              <a:t>75.9</a:t>
             </a:r>
             <a:r>
               <a:rPr lang="en-US" dirty="0"/>
@@ -18733,7 +18735,7 @@
                   <a:schemeClr val="accent3"/>
                 </a:solidFill>
               </a:rPr>
-              <a:t>82.3</a:t>
+              <a:t>74.8</a:t>
             </a:r>
             <a:endParaRPr dirty="0"/>
           </a:p>
@@ -18758,7 +18760,7 @@
                   <a:schemeClr val="accent3"/>
                 </a:solidFill>
               </a:rPr>
-              <a:t>83.4</a:t>
+              <a:t>91.0</a:t>
             </a:r>
             <a:r>
               <a:rPr lang="en-US" dirty="0"/>
@@ -18770,7 +18772,7 @@
                   <a:schemeClr val="accent3"/>
                 </a:solidFill>
               </a:rPr>
-              <a:t>84.4</a:t>
+              <a:t>90.5</a:t>
             </a:r>
             <a:endParaRPr dirty="0">
               <a:solidFill>
@@ -18816,7 +18818,7 @@
             </a:pPr>
             <a:r>
               <a:rPr lang="en-US" dirty="0"/>
-              <a:t>SVC Models for Prediction</a:t>
+              <a:t>SVM Models for Prediction</a:t>
             </a:r>
             <a:endParaRPr dirty="0"/>
           </a:p>
@@ -19038,7 +19040,6 @@
               <a:rPr lang="en-US" dirty="0"/>
               <a:t>Dropped Parameters: [NONE]</a:t>
             </a:r>
-            <a:endParaRPr dirty="0"/>
           </a:p>
           <a:p>
             <a:pPr marL="457200" lvl="0" indent="-342900" algn="l" rtl="0">
@@ -19054,6 +19055,27 @@
             <a:r>
               <a:rPr lang="en-US" dirty="0"/>
               <a:t>Data NOT scaled before training</a:t>
+            </a:r>
+          </a:p>
+          <a:p>
+            <a:pPr>
+              <a:spcBef>
+                <a:spcPts val="0"/>
+              </a:spcBef>
+              <a:buFont typeface="Noto Sans Symbols"/>
+              <a:buChar char="-"/>
+            </a:pPr>
+            <a:r>
+              <a:rPr lang="en-US" dirty="0"/>
+              <a:t>Paying attention to </a:t>
+            </a:r>
+            <a:r>
+              <a:rPr lang="en-US" dirty="0" err="1"/>
+              <a:t>feature_importances</a:t>
+            </a:r>
+            <a:r>
+              <a:rPr lang="en-US" dirty="0"/>
+              <a:t>_</a:t>
             </a:r>
             <a:endParaRPr dirty="0">
               <a:solidFill>
@@ -19114,7 +19136,7 @@
                   <a:schemeClr val="accent3"/>
                 </a:solidFill>
               </a:rPr>
-              <a:t>83.8</a:t>
+              <a:t>83.6</a:t>
             </a:r>
             <a:r>
               <a:rPr lang="en-US" dirty="0"/>
@@ -19126,7 +19148,7 @@
                   <a:schemeClr val="accent3"/>
                 </a:solidFill>
               </a:rPr>
-              <a:t>83.2</a:t>
+              <a:t>83.8</a:t>
             </a:r>
             <a:endParaRPr dirty="0"/>
           </a:p>
@@ -19151,7 +19173,7 @@
                   <a:schemeClr val="accent3"/>
                 </a:solidFill>
               </a:rPr>
-              <a:t>82.5</a:t>
+              <a:t>75.9</a:t>
             </a:r>
             <a:r>
               <a:rPr lang="en-US" dirty="0"/>
@@ -19163,7 +19185,7 @@
                   <a:schemeClr val="accent3"/>
                 </a:solidFill>
               </a:rPr>
-              <a:t>82.0</a:t>
+              <a:t>74.8</a:t>
             </a:r>
             <a:r>
               <a:rPr lang="en-US" dirty="0"/>
@@ -19172,14 +19194,10 @@
             <a:endParaRPr dirty="0"/>
           </a:p>
           <a:p>
-            <a:pPr marL="457200" lvl="0" indent="-342900" algn="l" rtl="0">
-              <a:spcBef>
-                <a:spcPts val="0"/>
-              </a:spcBef>
-              <a:spcAft>
-                <a:spcPts val="0"/>
-              </a:spcAft>
-              <a:buSzPts val="1800"/>
+            <a:pPr lvl="0">
+              <a:spcBef>
+                <a:spcPts val="0"/>
+              </a:spcBef>
               <a:buChar char="-"/>
             </a:pPr>
             <a:r>
@@ -19192,7 +19210,7 @@
                   <a:schemeClr val="accent3"/>
                 </a:solidFill>
               </a:rPr>
-              <a:t>83.8</a:t>
+              <a:t>91.0</a:t>
             </a:r>
             <a:r>
               <a:rPr lang="en-US" dirty="0"/>
@@ -19204,7 +19222,7 @@
                   <a:schemeClr val="accent3"/>
                 </a:solidFill>
               </a:rPr>
-              <a:t>83.2</a:t>
+              <a:t>90.5</a:t>
             </a:r>
             <a:endParaRPr dirty="0"/>
           </a:p>
@@ -19225,7 +19243,7 @@
         </p:blipFill>
         <p:spPr>
           <a:xfrm>
-            <a:off x="3859725" y="3779725"/>
+            <a:off x="3859723" y="4042794"/>
             <a:ext cx="4929076" cy="1925175"/>
           </a:xfrm>
           <a:prstGeom prst="rect">
@@ -19246,6 +19264,750 @@
 </file>
 
 <file path=ppt/slides/slide18.xml><?xml version="1.0" encoding="utf-8"?>
+<p:sld xmlns:a="http://schemas.openxmlformats.org/drawingml/2006/main" xmlns:r="http://schemas.openxmlformats.org/officeDocument/2006/relationships" xmlns:p="http://schemas.openxmlformats.org/presentationml/2006/main">
+  <p:cSld>
+    <p:spTree>
+      <p:nvGrpSpPr>
+        <p:cNvPr id="1" name=""/>
+        <p:cNvGrpSpPr/>
+        <p:nvPr/>
+      </p:nvGrpSpPr>
+      <p:grpSpPr>
+        <a:xfrm>
+          <a:off x="0" y="0"/>
+          <a:ext cx="0" cy="0"/>
+          <a:chOff x="0" y="0"/>
+          <a:chExt cx="0" cy="0"/>
+        </a:xfrm>
+      </p:grpSpPr>
+      <p:sp>
+        <p:nvSpPr>
+          <p:cNvPr id="3" name="Title 2">
+            <a:extLst>
+              <a:ext uri="{FF2B5EF4-FFF2-40B4-BE49-F238E27FC236}">
+                <a16:creationId xmlns:a16="http://schemas.microsoft.com/office/drawing/2014/main" id="{81DFD8F3-9D29-49D3-9155-4CE10655A61D}"/>
+              </a:ext>
+            </a:extLst>
+          </p:cNvPr>
+          <p:cNvSpPr>
+            <a:spLocks noGrp="1"/>
+          </p:cNvSpPr>
+          <p:nvPr>
+            <p:ph type="title"/>
+          </p:nvPr>
+        </p:nvSpPr>
+        <p:spPr/>
+        <p:txBody>
+          <a:bodyPr/>
+          <a:lstStyle/>
+          <a:p>
+            <a:r>
+              <a:rPr lang="en-US" dirty="0"/>
+              <a:t>SVM Classification Reports</a:t>
+            </a:r>
+          </a:p>
+        </p:txBody>
+      </p:sp>
+      <p:pic>
+        <p:nvPicPr>
+          <p:cNvPr id="4" name="Picture 3">
+            <a:extLst>
+              <a:ext uri="{FF2B5EF4-FFF2-40B4-BE49-F238E27FC236}">
+                <a16:creationId xmlns:a16="http://schemas.microsoft.com/office/drawing/2014/main" id="{DAB20A13-05A5-4E13-B106-2C10209B2EBD}"/>
+              </a:ext>
+            </a:extLst>
+          </p:cNvPr>
+          <p:cNvPicPr>
+            <a:picLocks noChangeAspect="1"/>
+          </p:cNvPicPr>
+          <p:nvPr/>
+        </p:nvPicPr>
+        <p:blipFill>
+          <a:blip r:embed="rId2"/>
+          <a:stretch>
+            <a:fillRect/>
+          </a:stretch>
+        </p:blipFill>
+        <p:spPr>
+          <a:xfrm>
+            <a:off x="1865833" y="1943597"/>
+            <a:ext cx="5411594" cy="1379426"/>
+          </a:xfrm>
+          <a:prstGeom prst="rect">
+            <a:avLst/>
+          </a:prstGeom>
+        </p:spPr>
+      </p:pic>
+      <p:pic>
+        <p:nvPicPr>
+          <p:cNvPr id="5" name="Picture 4">
+            <a:extLst>
+              <a:ext uri="{FF2B5EF4-FFF2-40B4-BE49-F238E27FC236}">
+                <a16:creationId xmlns:a16="http://schemas.microsoft.com/office/drawing/2014/main" id="{B68632EB-88E2-43CE-A65D-32833F2BD8E8}"/>
+              </a:ext>
+            </a:extLst>
+          </p:cNvPr>
+          <p:cNvPicPr>
+            <a:picLocks noChangeAspect="1"/>
+          </p:cNvPicPr>
+          <p:nvPr/>
+        </p:nvPicPr>
+        <p:blipFill>
+          <a:blip r:embed="rId3"/>
+          <a:stretch>
+            <a:fillRect/>
+          </a:stretch>
+        </p:blipFill>
+        <p:spPr>
+          <a:xfrm>
+            <a:off x="1865833" y="3442000"/>
+            <a:ext cx="5411594" cy="1379426"/>
+          </a:xfrm>
+          <a:prstGeom prst="rect">
+            <a:avLst/>
+          </a:prstGeom>
+        </p:spPr>
+      </p:pic>
+      <p:pic>
+        <p:nvPicPr>
+          <p:cNvPr id="6" name="Picture 5">
+            <a:extLst>
+              <a:ext uri="{FF2B5EF4-FFF2-40B4-BE49-F238E27FC236}">
+                <a16:creationId xmlns:a16="http://schemas.microsoft.com/office/drawing/2014/main" id="{0E5AB2E2-4CC1-4E3A-A09B-F98FDFD12D0A}"/>
+              </a:ext>
+            </a:extLst>
+          </p:cNvPr>
+          <p:cNvPicPr>
+            <a:picLocks noChangeAspect="1"/>
+          </p:cNvPicPr>
+          <p:nvPr/>
+        </p:nvPicPr>
+        <p:blipFill>
+          <a:blip r:embed="rId4"/>
+          <a:stretch>
+            <a:fillRect/>
+          </a:stretch>
+        </p:blipFill>
+        <p:spPr>
+          <a:xfrm>
+            <a:off x="1865833" y="4940403"/>
+            <a:ext cx="5411594" cy="1379426"/>
+          </a:xfrm>
+          <a:prstGeom prst="rect">
+            <a:avLst/>
+          </a:prstGeom>
+        </p:spPr>
+      </p:pic>
+      <p:sp>
+        <p:nvSpPr>
+          <p:cNvPr id="7" name="TextBox 6">
+            <a:extLst>
+              <a:ext uri="{FF2B5EF4-FFF2-40B4-BE49-F238E27FC236}">
+                <a16:creationId xmlns:a16="http://schemas.microsoft.com/office/drawing/2014/main" id="{1979639B-1701-49EE-9CC6-26E5DE996596}"/>
+              </a:ext>
+            </a:extLst>
+          </p:cNvPr>
+          <p:cNvSpPr txBox="1"/>
+          <p:nvPr/>
+        </p:nvSpPr>
+        <p:spPr>
+          <a:xfrm>
+            <a:off x="602673" y="2480911"/>
+            <a:ext cx="858982" cy="304800"/>
+          </a:xfrm>
+          <a:prstGeom prst="rect">
+            <a:avLst/>
+          </a:prstGeom>
+          <a:noFill/>
+        </p:spPr>
+        <p:txBody>
+          <a:bodyPr wrap="square" rtlCol="0">
+            <a:spAutoFit/>
+          </a:bodyPr>
+          <a:lstStyle/>
+          <a:p>
+            <a:pPr algn="ctr"/>
+            <a:r>
+              <a:rPr lang="en-US" dirty="0"/>
+              <a:t>Angina</a:t>
+            </a:r>
+          </a:p>
+        </p:txBody>
+      </p:sp>
+      <p:sp>
+        <p:nvSpPr>
+          <p:cNvPr id="8" name="TextBox 7">
+            <a:extLst>
+              <a:ext uri="{FF2B5EF4-FFF2-40B4-BE49-F238E27FC236}">
+                <a16:creationId xmlns:a16="http://schemas.microsoft.com/office/drawing/2014/main" id="{23E590C2-DBF6-4F62-B30A-3A0782CEDB04}"/>
+              </a:ext>
+            </a:extLst>
+          </p:cNvPr>
+          <p:cNvSpPr txBox="1"/>
+          <p:nvPr/>
+        </p:nvSpPr>
+        <p:spPr>
+          <a:xfrm>
+            <a:off x="602673" y="3974096"/>
+            <a:ext cx="858982" cy="304800"/>
+          </a:xfrm>
+          <a:prstGeom prst="rect">
+            <a:avLst/>
+          </a:prstGeom>
+          <a:noFill/>
+        </p:spPr>
+        <p:txBody>
+          <a:bodyPr wrap="square" rtlCol="0">
+            <a:spAutoFit/>
+          </a:bodyPr>
+          <a:lstStyle/>
+          <a:p>
+            <a:pPr algn="ctr"/>
+            <a:r>
+              <a:rPr lang="en-US" dirty="0"/>
+              <a:t>CVD</a:t>
+            </a:r>
+          </a:p>
+        </p:txBody>
+      </p:sp>
+      <p:sp>
+        <p:nvSpPr>
+          <p:cNvPr id="9" name="TextBox 8">
+            <a:extLst>
+              <a:ext uri="{FF2B5EF4-FFF2-40B4-BE49-F238E27FC236}">
+                <a16:creationId xmlns:a16="http://schemas.microsoft.com/office/drawing/2014/main" id="{0DA54F47-1D09-4E9F-A28E-C3CE8939B39A}"/>
+              </a:ext>
+            </a:extLst>
+          </p:cNvPr>
+          <p:cNvSpPr txBox="1"/>
+          <p:nvPr/>
+        </p:nvSpPr>
+        <p:spPr>
+          <a:xfrm>
+            <a:off x="602673" y="5467281"/>
+            <a:ext cx="858982" cy="304800"/>
+          </a:xfrm>
+          <a:prstGeom prst="rect">
+            <a:avLst/>
+          </a:prstGeom>
+          <a:noFill/>
+        </p:spPr>
+        <p:txBody>
+          <a:bodyPr wrap="square" rtlCol="0">
+            <a:spAutoFit/>
+          </a:bodyPr>
+          <a:lstStyle/>
+          <a:p>
+            <a:pPr algn="ctr"/>
+            <a:r>
+              <a:rPr lang="en-US" dirty="0"/>
+              <a:t>Stroke</a:t>
+            </a:r>
+          </a:p>
+        </p:txBody>
+      </p:sp>
+    </p:spTree>
+    <p:extLst>
+      <p:ext uri="{BB962C8B-B14F-4D97-AF65-F5344CB8AC3E}">
+        <p14:creationId xmlns:p14="http://schemas.microsoft.com/office/powerpoint/2010/main" val="2956119190"/>
+      </p:ext>
+    </p:extLst>
+  </p:cSld>
+  <p:clrMapOvr>
+    <a:masterClrMapping/>
+  </p:clrMapOvr>
+</p:sld>
+</file>
+
+<file path=ppt/slides/slide19.xml><?xml version="1.0" encoding="utf-8"?>
+<p:sld xmlns:a="http://schemas.openxmlformats.org/drawingml/2006/main" xmlns:r="http://schemas.openxmlformats.org/officeDocument/2006/relationships" xmlns:p="http://schemas.openxmlformats.org/presentationml/2006/main">
+  <p:cSld>
+    <p:spTree>
+      <p:nvGrpSpPr>
+        <p:cNvPr id="1" name=""/>
+        <p:cNvGrpSpPr/>
+        <p:nvPr/>
+      </p:nvGrpSpPr>
+      <p:grpSpPr>
+        <a:xfrm>
+          <a:off x="0" y="0"/>
+          <a:ext cx="0" cy="0"/>
+          <a:chOff x="0" y="0"/>
+          <a:chExt cx="0" cy="0"/>
+        </a:xfrm>
+      </p:grpSpPr>
+      <p:pic>
+        <p:nvPicPr>
+          <p:cNvPr id="8" name="Picture 7">
+            <a:extLst>
+              <a:ext uri="{FF2B5EF4-FFF2-40B4-BE49-F238E27FC236}">
+                <a16:creationId xmlns:a16="http://schemas.microsoft.com/office/drawing/2014/main" id="{F0FD5852-C235-40DA-B70D-9A8AC3BD97DA}"/>
+              </a:ext>
+            </a:extLst>
+          </p:cNvPr>
+          <p:cNvPicPr>
+            <a:picLocks noChangeAspect="1"/>
+          </p:cNvPicPr>
+          <p:nvPr/>
+        </p:nvPicPr>
+        <p:blipFill>
+          <a:blip r:embed="rId2"/>
+          <a:stretch>
+            <a:fillRect/>
+          </a:stretch>
+        </p:blipFill>
+        <p:spPr>
+          <a:xfrm>
+            <a:off x="1865833" y="4929968"/>
+            <a:ext cx="5411594" cy="1379426"/>
+          </a:xfrm>
+          <a:prstGeom prst="rect">
+            <a:avLst/>
+          </a:prstGeom>
+        </p:spPr>
+      </p:pic>
+      <p:pic>
+        <p:nvPicPr>
+          <p:cNvPr id="2" name="Picture 1">
+            <a:extLst>
+              <a:ext uri="{FF2B5EF4-FFF2-40B4-BE49-F238E27FC236}">
+                <a16:creationId xmlns:a16="http://schemas.microsoft.com/office/drawing/2014/main" id="{2A60FC55-DFF3-437B-B59A-0E52D7A066CD}"/>
+              </a:ext>
+            </a:extLst>
+          </p:cNvPr>
+          <p:cNvPicPr>
+            <a:picLocks noChangeAspect="1"/>
+          </p:cNvPicPr>
+          <p:nvPr/>
+        </p:nvPicPr>
+        <p:blipFill>
+          <a:blip r:embed="rId3"/>
+          <a:stretch>
+            <a:fillRect/>
+          </a:stretch>
+        </p:blipFill>
+        <p:spPr>
+          <a:xfrm>
+            <a:off x="1865833" y="1943598"/>
+            <a:ext cx="5411594" cy="1379426"/>
+          </a:xfrm>
+          <a:prstGeom prst="rect">
+            <a:avLst/>
+          </a:prstGeom>
+        </p:spPr>
+      </p:pic>
+      <p:sp>
+        <p:nvSpPr>
+          <p:cNvPr id="3" name="Title 2">
+            <a:extLst>
+              <a:ext uri="{FF2B5EF4-FFF2-40B4-BE49-F238E27FC236}">
+                <a16:creationId xmlns:a16="http://schemas.microsoft.com/office/drawing/2014/main" id="{81DFD8F3-9D29-49D3-9155-4CE10655A61D}"/>
+              </a:ext>
+            </a:extLst>
+          </p:cNvPr>
+          <p:cNvSpPr>
+            <a:spLocks noGrp="1"/>
+          </p:cNvSpPr>
+          <p:nvPr>
+            <p:ph type="title"/>
+          </p:nvPr>
+        </p:nvSpPr>
+        <p:spPr/>
+        <p:txBody>
+          <a:bodyPr/>
+          <a:lstStyle/>
+          <a:p>
+            <a:r>
+              <a:rPr lang="en-US" dirty="0"/>
+              <a:t>RF Classification Reports</a:t>
+            </a:r>
+          </a:p>
+        </p:txBody>
+      </p:sp>
+      <p:pic>
+        <p:nvPicPr>
+          <p:cNvPr id="9" name="Picture 8">
+            <a:extLst>
+              <a:ext uri="{FF2B5EF4-FFF2-40B4-BE49-F238E27FC236}">
+                <a16:creationId xmlns:a16="http://schemas.microsoft.com/office/drawing/2014/main" id="{3EC0D72E-F315-4E5F-9043-EFEFD03C90F6}"/>
+              </a:ext>
+            </a:extLst>
+          </p:cNvPr>
+          <p:cNvPicPr>
+            <a:picLocks noChangeAspect="1"/>
+          </p:cNvPicPr>
+          <p:nvPr/>
+        </p:nvPicPr>
+        <p:blipFill>
+          <a:blip r:embed="rId4"/>
+          <a:stretch>
+            <a:fillRect/>
+          </a:stretch>
+        </p:blipFill>
+        <p:spPr>
+          <a:xfrm>
+            <a:off x="1865833" y="3436783"/>
+            <a:ext cx="5411594" cy="1379426"/>
+          </a:xfrm>
+          <a:prstGeom prst="rect">
+            <a:avLst/>
+          </a:prstGeom>
+        </p:spPr>
+      </p:pic>
+      <p:sp>
+        <p:nvSpPr>
+          <p:cNvPr id="5" name="TextBox 4">
+            <a:extLst>
+              <a:ext uri="{FF2B5EF4-FFF2-40B4-BE49-F238E27FC236}">
+                <a16:creationId xmlns:a16="http://schemas.microsoft.com/office/drawing/2014/main" id="{F5FD9674-671D-4CAB-B15C-D9CEC64E5995}"/>
+              </a:ext>
+            </a:extLst>
+          </p:cNvPr>
+          <p:cNvSpPr txBox="1"/>
+          <p:nvPr/>
+        </p:nvSpPr>
+        <p:spPr>
+          <a:xfrm>
+            <a:off x="602673" y="2480911"/>
+            <a:ext cx="858982" cy="304800"/>
+          </a:xfrm>
+          <a:prstGeom prst="rect">
+            <a:avLst/>
+          </a:prstGeom>
+          <a:noFill/>
+        </p:spPr>
+        <p:txBody>
+          <a:bodyPr wrap="square" rtlCol="0">
+            <a:spAutoFit/>
+          </a:bodyPr>
+          <a:lstStyle/>
+          <a:p>
+            <a:pPr algn="ctr"/>
+            <a:r>
+              <a:rPr lang="en-US" dirty="0"/>
+              <a:t>Angina</a:t>
+            </a:r>
+          </a:p>
+        </p:txBody>
+      </p:sp>
+      <p:sp>
+        <p:nvSpPr>
+          <p:cNvPr id="10" name="TextBox 9">
+            <a:extLst>
+              <a:ext uri="{FF2B5EF4-FFF2-40B4-BE49-F238E27FC236}">
+                <a16:creationId xmlns:a16="http://schemas.microsoft.com/office/drawing/2014/main" id="{D4DC150B-A35F-4574-8C7D-D376723F588C}"/>
+              </a:ext>
+            </a:extLst>
+          </p:cNvPr>
+          <p:cNvSpPr txBox="1"/>
+          <p:nvPr/>
+        </p:nvSpPr>
+        <p:spPr>
+          <a:xfrm>
+            <a:off x="602673" y="3974096"/>
+            <a:ext cx="858982" cy="304800"/>
+          </a:xfrm>
+          <a:prstGeom prst="rect">
+            <a:avLst/>
+          </a:prstGeom>
+          <a:noFill/>
+        </p:spPr>
+        <p:txBody>
+          <a:bodyPr wrap="square" rtlCol="0">
+            <a:spAutoFit/>
+          </a:bodyPr>
+          <a:lstStyle/>
+          <a:p>
+            <a:pPr algn="ctr"/>
+            <a:r>
+              <a:rPr lang="en-US" dirty="0"/>
+              <a:t>CVD</a:t>
+            </a:r>
+          </a:p>
+        </p:txBody>
+      </p:sp>
+      <p:sp>
+        <p:nvSpPr>
+          <p:cNvPr id="11" name="TextBox 10">
+            <a:extLst>
+              <a:ext uri="{FF2B5EF4-FFF2-40B4-BE49-F238E27FC236}">
+                <a16:creationId xmlns:a16="http://schemas.microsoft.com/office/drawing/2014/main" id="{7000DA6C-7335-4237-9EF4-003201800116}"/>
+              </a:ext>
+            </a:extLst>
+          </p:cNvPr>
+          <p:cNvSpPr txBox="1"/>
+          <p:nvPr/>
+        </p:nvSpPr>
+        <p:spPr>
+          <a:xfrm>
+            <a:off x="602673" y="5467281"/>
+            <a:ext cx="858982" cy="304800"/>
+          </a:xfrm>
+          <a:prstGeom prst="rect">
+            <a:avLst/>
+          </a:prstGeom>
+          <a:noFill/>
+        </p:spPr>
+        <p:txBody>
+          <a:bodyPr wrap="square" rtlCol="0">
+            <a:spAutoFit/>
+          </a:bodyPr>
+          <a:lstStyle/>
+          <a:p>
+            <a:pPr algn="ctr"/>
+            <a:r>
+              <a:rPr lang="en-US" dirty="0"/>
+              <a:t>Stroke</a:t>
+            </a:r>
+          </a:p>
+        </p:txBody>
+      </p:sp>
+    </p:spTree>
+    <p:extLst>
+      <p:ext uri="{BB962C8B-B14F-4D97-AF65-F5344CB8AC3E}">
+        <p14:creationId xmlns:p14="http://schemas.microsoft.com/office/powerpoint/2010/main" val="3744148688"/>
+      </p:ext>
+    </p:extLst>
+  </p:cSld>
+  <p:clrMapOvr>
+    <a:masterClrMapping/>
+  </p:clrMapOvr>
+</p:sld>
+</file>
+
+<file path=ppt/slides/slide2.xml><?xml version="1.0" encoding="utf-8"?>
+<p:sld xmlns:a="http://schemas.openxmlformats.org/drawingml/2006/main" xmlns:r="http://schemas.openxmlformats.org/officeDocument/2006/relationships" xmlns:p="http://schemas.openxmlformats.org/presentationml/2006/main">
+  <p:cSld>
+    <p:spTree>
+      <p:nvGrpSpPr>
+        <p:cNvPr id="1" name="Shape 103"/>
+        <p:cNvGrpSpPr/>
+        <p:nvPr/>
+      </p:nvGrpSpPr>
+      <p:grpSpPr>
+        <a:xfrm>
+          <a:off x="0" y="0"/>
+          <a:ext cx="0" cy="0"/>
+          <a:chOff x="0" y="0"/>
+          <a:chExt cx="0" cy="0"/>
+        </a:xfrm>
+      </p:grpSpPr>
+      <p:sp>
+        <p:nvSpPr>
+          <p:cNvPr id="104" name="Google Shape;104;p14"/>
+          <p:cNvSpPr txBox="1">
+            <a:spLocks noGrp="1"/>
+          </p:cNvSpPr>
+          <p:nvPr>
+            <p:ph type="body" idx="1"/>
+          </p:nvPr>
+        </p:nvSpPr>
+        <p:spPr>
+          <a:xfrm>
+            <a:off x="380999" y="1719071"/>
+            <a:ext cx="8407893" cy="4407408"/>
+          </a:xfrm>
+          <a:prstGeom prst="rect">
+            <a:avLst/>
+          </a:prstGeom>
+          <a:noFill/>
+          <a:ln>
+            <a:noFill/>
+          </a:ln>
+        </p:spPr>
+        <p:txBody>
+          <a:bodyPr spcFirstLastPara="1" wrap="square" lIns="91425" tIns="45700" rIns="91425" bIns="45700" anchor="t" anchorCtr="0">
+            <a:noAutofit/>
+          </a:bodyPr>
+          <a:lstStyle/>
+          <a:p>
+            <a:pPr marL="274320" lvl="0" indent="-228600" algn="just" rtl="0">
+              <a:spcBef>
+                <a:spcPts val="0"/>
+              </a:spcBef>
+              <a:spcAft>
+                <a:spcPts val="0"/>
+              </a:spcAft>
+              <a:buSzPts val="2800"/>
+              <a:buChar char="◼"/>
+            </a:pPr>
+            <a:r>
+              <a:rPr lang="en-US" sz="2800" dirty="0"/>
+              <a:t>The scope of work was to create a series of robust models with the goal of predicting user likelihood of being diagnosed with different medical conditions.</a:t>
+            </a:r>
+            <a:endParaRPr dirty="0"/>
+          </a:p>
+          <a:p>
+            <a:pPr marL="274320" lvl="0" indent="-228600" algn="l" rtl="0">
+              <a:spcBef>
+                <a:spcPts val="560"/>
+              </a:spcBef>
+              <a:spcAft>
+                <a:spcPts val="0"/>
+              </a:spcAft>
+              <a:buSzPts val="2800"/>
+              <a:buChar char="◼"/>
+            </a:pPr>
+            <a:r>
+              <a:rPr lang="en-US" sz="2800" dirty="0"/>
+              <a:t>These conditions were based on:</a:t>
+            </a:r>
+            <a:endParaRPr dirty="0"/>
+          </a:p>
+          <a:p>
+            <a:pPr marL="548640" lvl="1" indent="-182880" algn="l" rtl="0">
+              <a:spcBef>
+                <a:spcPts val="480"/>
+              </a:spcBef>
+              <a:spcAft>
+                <a:spcPts val="0"/>
+              </a:spcAft>
+              <a:buSzPts val="2400"/>
+              <a:buChar char="▪"/>
+            </a:pPr>
+            <a:r>
+              <a:rPr lang="en-US" sz="2400" dirty="0">
+                <a:latin typeface="Calibri" panose="020F0502020204030204" pitchFamily="34" charset="0"/>
+                <a:cs typeface="Calibri" panose="020F0502020204030204" pitchFamily="34" charset="0"/>
+              </a:rPr>
+              <a:t>Patient Blood Profile</a:t>
+            </a:r>
+            <a:endParaRPr dirty="0">
+              <a:latin typeface="Calibri" panose="020F0502020204030204" pitchFamily="34" charset="0"/>
+              <a:cs typeface="Calibri" panose="020F0502020204030204" pitchFamily="34" charset="0"/>
+            </a:endParaRPr>
+          </a:p>
+          <a:p>
+            <a:pPr marL="548640" lvl="1" indent="-182880" algn="l" rtl="0">
+              <a:spcBef>
+                <a:spcPts val="480"/>
+              </a:spcBef>
+              <a:spcAft>
+                <a:spcPts val="0"/>
+              </a:spcAft>
+              <a:buSzPts val="2400"/>
+              <a:buChar char="▪"/>
+            </a:pPr>
+            <a:r>
+              <a:rPr lang="en-US" sz="2400" dirty="0">
+                <a:latin typeface="Calibri" panose="020F0502020204030204" pitchFamily="34" charset="0"/>
+                <a:cs typeface="Calibri" panose="020F0502020204030204" pitchFamily="34" charset="0"/>
+              </a:rPr>
+              <a:t>Behavioral Practices</a:t>
+            </a:r>
+            <a:endParaRPr dirty="0">
+              <a:latin typeface="Calibri" panose="020F0502020204030204" pitchFamily="34" charset="0"/>
+              <a:cs typeface="Calibri" panose="020F0502020204030204" pitchFamily="34" charset="0"/>
+            </a:endParaRPr>
+          </a:p>
+          <a:p>
+            <a:pPr marL="548640" lvl="1" indent="-182880" algn="l" rtl="0">
+              <a:spcBef>
+                <a:spcPts val="480"/>
+              </a:spcBef>
+              <a:spcAft>
+                <a:spcPts val="0"/>
+              </a:spcAft>
+              <a:buSzPts val="2400"/>
+              <a:buChar char="▪"/>
+            </a:pPr>
+            <a:r>
+              <a:rPr lang="en-US" sz="2400" dirty="0">
+                <a:latin typeface="Calibri" panose="020F0502020204030204" pitchFamily="34" charset="0"/>
+                <a:cs typeface="Calibri" panose="020F0502020204030204" pitchFamily="34" charset="0"/>
+              </a:rPr>
+              <a:t>Individual attributes</a:t>
+            </a:r>
+            <a:endParaRPr dirty="0">
+              <a:latin typeface="Calibri" panose="020F0502020204030204" pitchFamily="34" charset="0"/>
+              <a:cs typeface="Calibri" panose="020F0502020204030204" pitchFamily="34" charset="0"/>
+            </a:endParaRPr>
+          </a:p>
+          <a:p>
+            <a:pPr marL="548640" lvl="1" indent="-182880" algn="l" rtl="0">
+              <a:spcBef>
+                <a:spcPts val="480"/>
+              </a:spcBef>
+              <a:spcAft>
+                <a:spcPts val="0"/>
+              </a:spcAft>
+              <a:buSzPts val="2400"/>
+              <a:buChar char="▪"/>
+            </a:pPr>
+            <a:r>
+              <a:rPr lang="en-US" sz="2400" dirty="0">
+                <a:latin typeface="Calibri" panose="020F0502020204030204" pitchFamily="34" charset="0"/>
+                <a:cs typeface="Calibri" panose="020F0502020204030204" pitchFamily="34" charset="0"/>
+              </a:rPr>
+              <a:t>Medical History</a:t>
+            </a:r>
+            <a:endParaRPr sz="2400" dirty="0">
+              <a:latin typeface="Calibri" panose="020F0502020204030204" pitchFamily="34" charset="0"/>
+              <a:cs typeface="Calibri" panose="020F0502020204030204" pitchFamily="34" charset="0"/>
+            </a:endParaRPr>
+          </a:p>
+        </p:txBody>
+      </p:sp>
+      <p:sp>
+        <p:nvSpPr>
+          <p:cNvPr id="105" name="Google Shape;105;p14"/>
+          <p:cNvSpPr txBox="1">
+            <a:spLocks noGrp="1"/>
+          </p:cNvSpPr>
+          <p:nvPr>
+            <p:ph type="title"/>
+          </p:nvPr>
+        </p:nvSpPr>
+        <p:spPr>
+          <a:xfrm>
+            <a:off x="381000" y="355847"/>
+            <a:ext cx="8381260" cy="1054394"/>
+          </a:xfrm>
+          <a:prstGeom prst="rect">
+            <a:avLst/>
+          </a:prstGeom>
+          <a:noFill/>
+          <a:ln>
+            <a:noFill/>
+          </a:ln>
+        </p:spPr>
+        <p:txBody>
+          <a:bodyPr spcFirstLastPara="1" wrap="square" lIns="91425" tIns="45700" rIns="91425" bIns="45700" anchor="ctr" anchorCtr="0">
+            <a:noAutofit/>
+          </a:bodyPr>
+          <a:lstStyle/>
+          <a:p>
+            <a:pPr marL="0" lvl="0" indent="0" algn="ctr" rtl="0">
+              <a:spcBef>
+                <a:spcPts val="0"/>
+              </a:spcBef>
+              <a:spcAft>
+                <a:spcPts val="0"/>
+              </a:spcAft>
+              <a:buClr>
+                <a:schemeClr val="lt1"/>
+              </a:buClr>
+              <a:buSzPts val="3200"/>
+              <a:buFont typeface="Source Sans Pro"/>
+              <a:buNone/>
+            </a:pPr>
+            <a:r>
+              <a:rPr lang="en-US" dirty="0"/>
+              <a:t>PROJECT OVERVIEW</a:t>
+            </a:r>
+            <a:endParaRPr dirty="0"/>
+          </a:p>
+        </p:txBody>
+      </p:sp>
+    </p:spTree>
+  </p:cSld>
+  <p:clrMapOvr>
+    <a:masterClrMapping/>
+  </p:clrMapOvr>
+</p:sld>
+</file>
+
+<file path=ppt/slides/slide20.xml><?xml version="1.0" encoding="utf-8"?>
 <p:sld xmlns:a="http://schemas.openxmlformats.org/drawingml/2006/main" xmlns:r="http://schemas.openxmlformats.org/officeDocument/2006/relationships" xmlns:p="http://schemas.openxmlformats.org/presentationml/2006/main">
   <p:cSld>
     <p:spTree>
@@ -19603,7 +20365,7 @@
 </p:sld>
 </file>
 
-<file path=ppt/slides/slide19.xml><?xml version="1.0" encoding="utf-8"?>
+<file path=ppt/slides/slide21.xml><?xml version="1.0" encoding="utf-8"?>
 <p:sld xmlns:a="http://schemas.openxmlformats.org/drawingml/2006/main" xmlns:r="http://schemas.openxmlformats.org/officeDocument/2006/relationships" xmlns:p="http://schemas.openxmlformats.org/presentationml/2006/main">
   <p:cSld>
     <p:spTree>
@@ -19781,239 +20543,7 @@
 </p:sld>
 </file>
 
-<file path=ppt/slides/slide2.xml><?xml version="1.0" encoding="utf-8"?>
-<p:sld xmlns:a="http://schemas.openxmlformats.org/drawingml/2006/main" xmlns:r="http://schemas.openxmlformats.org/officeDocument/2006/relationships" xmlns:p="http://schemas.openxmlformats.org/presentationml/2006/main">
-  <p:cSld>
-    <p:spTree>
-      <p:nvGrpSpPr>
-        <p:cNvPr id="1" name="Shape 103"/>
-        <p:cNvGrpSpPr/>
-        <p:nvPr/>
-      </p:nvGrpSpPr>
-      <p:grpSpPr>
-        <a:xfrm>
-          <a:off x="0" y="0"/>
-          <a:ext cx="0" cy="0"/>
-          <a:chOff x="0" y="0"/>
-          <a:chExt cx="0" cy="0"/>
-        </a:xfrm>
-      </p:grpSpPr>
-      <p:sp>
-        <p:nvSpPr>
-          <p:cNvPr id="104" name="Google Shape;104;p14"/>
-          <p:cNvSpPr txBox="1">
-            <a:spLocks noGrp="1"/>
-          </p:cNvSpPr>
-          <p:nvPr>
-            <p:ph type="body" idx="1"/>
-          </p:nvPr>
-        </p:nvSpPr>
-        <p:spPr>
-          <a:xfrm>
-            <a:off x="380999" y="1719071"/>
-            <a:ext cx="8407893" cy="4407408"/>
-          </a:xfrm>
-          <a:prstGeom prst="rect">
-            <a:avLst/>
-          </a:prstGeom>
-          <a:noFill/>
-          <a:ln>
-            <a:noFill/>
-          </a:ln>
-        </p:spPr>
-        <p:txBody>
-          <a:bodyPr spcFirstLastPara="1" wrap="square" lIns="91425" tIns="45700" rIns="91425" bIns="45700" anchor="t" anchorCtr="0">
-            <a:noAutofit/>
-          </a:bodyPr>
-          <a:lstStyle/>
-          <a:p>
-            <a:pPr marL="274320" lvl="0" indent="-228600" algn="just" rtl="0">
-              <a:spcBef>
-                <a:spcPts val="0"/>
-              </a:spcBef>
-              <a:spcAft>
-                <a:spcPts val="0"/>
-              </a:spcAft>
-              <a:buSzPts val="2800"/>
-              <a:buChar char="◼"/>
-            </a:pPr>
-            <a:r>
-              <a:rPr lang="en-US" sz="2800" dirty="0"/>
-              <a:t>The scope of work was to create a series of robust models with the goal of predicting user likelihood of being diagnosed with different medical conditions.</a:t>
-            </a:r>
-            <a:endParaRPr dirty="0"/>
-          </a:p>
-          <a:p>
-            <a:pPr marL="274320" lvl="0" indent="-228600" algn="l" rtl="0">
-              <a:spcBef>
-                <a:spcPts val="560"/>
-              </a:spcBef>
-              <a:spcAft>
-                <a:spcPts val="0"/>
-              </a:spcAft>
-              <a:buSzPts val="2800"/>
-              <a:buChar char="◼"/>
-            </a:pPr>
-            <a:r>
-              <a:rPr lang="en-US" sz="2800" dirty="0"/>
-              <a:t>These conditions were based on:</a:t>
-            </a:r>
-            <a:endParaRPr dirty="0"/>
-          </a:p>
-          <a:p>
-            <a:pPr marL="548640" lvl="1" indent="-182880" algn="l" rtl="0">
-              <a:spcBef>
-                <a:spcPts val="480"/>
-              </a:spcBef>
-              <a:spcAft>
-                <a:spcPts val="0"/>
-              </a:spcAft>
-              <a:buSzPts val="2400"/>
-              <a:buChar char="▪"/>
-            </a:pPr>
-            <a:r>
-              <a:rPr lang="en-US" sz="2400" dirty="0">
-                <a:latin typeface="Calibri" panose="020F0502020204030204" pitchFamily="34" charset="0"/>
-                <a:cs typeface="Calibri" panose="020F0502020204030204" pitchFamily="34" charset="0"/>
-              </a:rPr>
-              <a:t>Patient Blood Profile</a:t>
-            </a:r>
-            <a:endParaRPr dirty="0">
-              <a:latin typeface="Calibri" panose="020F0502020204030204" pitchFamily="34" charset="0"/>
-              <a:cs typeface="Calibri" panose="020F0502020204030204" pitchFamily="34" charset="0"/>
-            </a:endParaRPr>
-          </a:p>
-          <a:p>
-            <a:pPr marL="548640" lvl="1" indent="-182880" algn="l" rtl="0">
-              <a:spcBef>
-                <a:spcPts val="480"/>
-              </a:spcBef>
-              <a:spcAft>
-                <a:spcPts val="0"/>
-              </a:spcAft>
-              <a:buSzPts val="2400"/>
-              <a:buChar char="▪"/>
-            </a:pPr>
-            <a:r>
-              <a:rPr lang="en-US" sz="2400" dirty="0">
-                <a:latin typeface="Calibri" panose="020F0502020204030204" pitchFamily="34" charset="0"/>
-                <a:cs typeface="Calibri" panose="020F0502020204030204" pitchFamily="34" charset="0"/>
-              </a:rPr>
-              <a:t>Behavioral Practices</a:t>
-            </a:r>
-            <a:endParaRPr dirty="0">
-              <a:latin typeface="Calibri" panose="020F0502020204030204" pitchFamily="34" charset="0"/>
-              <a:cs typeface="Calibri" panose="020F0502020204030204" pitchFamily="34" charset="0"/>
-            </a:endParaRPr>
-          </a:p>
-          <a:p>
-            <a:pPr marL="548640" lvl="1" indent="-182880" algn="l" rtl="0">
-              <a:spcBef>
-                <a:spcPts val="480"/>
-              </a:spcBef>
-              <a:spcAft>
-                <a:spcPts val="0"/>
-              </a:spcAft>
-              <a:buSzPts val="2400"/>
-              <a:buChar char="▪"/>
-            </a:pPr>
-            <a:r>
-              <a:rPr lang="en-US" sz="2400" dirty="0">
-                <a:latin typeface="Calibri" panose="020F0502020204030204" pitchFamily="34" charset="0"/>
-                <a:cs typeface="Calibri" panose="020F0502020204030204" pitchFamily="34" charset="0"/>
-              </a:rPr>
-              <a:t>Individual attributes</a:t>
-            </a:r>
-            <a:endParaRPr dirty="0">
-              <a:latin typeface="Calibri" panose="020F0502020204030204" pitchFamily="34" charset="0"/>
-              <a:cs typeface="Calibri" panose="020F0502020204030204" pitchFamily="34" charset="0"/>
-            </a:endParaRPr>
-          </a:p>
-          <a:p>
-            <a:pPr marL="548640" lvl="1" indent="-182880" algn="l" rtl="0">
-              <a:spcBef>
-                <a:spcPts val="480"/>
-              </a:spcBef>
-              <a:spcAft>
-                <a:spcPts val="0"/>
-              </a:spcAft>
-              <a:buSzPts val="2400"/>
-              <a:buChar char="▪"/>
-            </a:pPr>
-            <a:r>
-              <a:rPr lang="en-US" sz="2400" dirty="0">
-                <a:latin typeface="Calibri" panose="020F0502020204030204" pitchFamily="34" charset="0"/>
-                <a:cs typeface="Calibri" panose="020F0502020204030204" pitchFamily="34" charset="0"/>
-              </a:rPr>
-              <a:t>Medical History</a:t>
-            </a:r>
-            <a:endParaRPr sz="2400" dirty="0">
-              <a:latin typeface="Calibri" panose="020F0502020204030204" pitchFamily="34" charset="0"/>
-              <a:cs typeface="Calibri" panose="020F0502020204030204" pitchFamily="34" charset="0"/>
-            </a:endParaRPr>
-          </a:p>
-        </p:txBody>
-      </p:sp>
-      <p:sp>
-        <p:nvSpPr>
-          <p:cNvPr id="105" name="Google Shape;105;p14"/>
-          <p:cNvSpPr txBox="1">
-            <a:spLocks noGrp="1"/>
-          </p:cNvSpPr>
-          <p:nvPr>
-            <p:ph type="title"/>
-          </p:nvPr>
-        </p:nvSpPr>
-        <p:spPr>
-          <a:xfrm>
-            <a:off x="381000" y="355847"/>
-            <a:ext cx="8381260" cy="1054394"/>
-          </a:xfrm>
-          <a:prstGeom prst="rect">
-            <a:avLst/>
-          </a:prstGeom>
-          <a:noFill/>
-          <a:ln>
-            <a:noFill/>
-          </a:ln>
-        </p:spPr>
-        <p:txBody>
-          <a:bodyPr spcFirstLastPara="1" wrap="square" lIns="91425" tIns="45700" rIns="91425" bIns="45700" anchor="ctr" anchorCtr="0">
-            <a:noAutofit/>
-          </a:bodyPr>
-          <a:lstStyle/>
-          <a:p>
-            <a:pPr marL="0" lvl="0" indent="0" algn="ctr" rtl="0">
-              <a:spcBef>
-                <a:spcPts val="0"/>
-              </a:spcBef>
-              <a:spcAft>
-                <a:spcPts val="0"/>
-              </a:spcAft>
-              <a:buClr>
-                <a:schemeClr val="lt1"/>
-              </a:buClr>
-              <a:buSzPts val="3200"/>
-              <a:buFont typeface="Source Sans Pro"/>
-              <a:buNone/>
-            </a:pPr>
-            <a:r>
-              <a:rPr lang="en-US" dirty="0"/>
-              <a:t>PROJECT OVERVIEW</a:t>
-            </a:r>
-            <a:endParaRPr dirty="0"/>
-          </a:p>
-        </p:txBody>
-      </p:sp>
-    </p:spTree>
-  </p:cSld>
-  <p:clrMapOvr>
-    <a:masterClrMapping/>
-  </p:clrMapOvr>
-</p:sld>
-</file>
-
-<file path=ppt/slides/slide20.xml><?xml version="1.0" encoding="utf-8"?>
+<file path=ppt/slides/slide22.xml><?xml version="1.0" encoding="utf-8"?>
 <p:sld xmlns:a="http://schemas.openxmlformats.org/drawingml/2006/main" xmlns:r="http://schemas.openxmlformats.org/officeDocument/2006/relationships" xmlns:p="http://schemas.openxmlformats.org/presentationml/2006/main">
   <p:cSld>
     <p:spTree>
@@ -20365,7 +20895,7 @@
 </p:sld>
 </file>
 
-<file path=ppt/slides/slide21.xml><?xml version="1.0" encoding="utf-8"?>
+<file path=ppt/slides/slide23.xml><?xml version="1.0" encoding="utf-8"?>
 <p:sld xmlns:a="http://schemas.openxmlformats.org/drawingml/2006/main" xmlns:r="http://schemas.openxmlformats.org/officeDocument/2006/relationships" xmlns:p="http://schemas.openxmlformats.org/presentationml/2006/main">
   <p:cSld>
     <p:spTree>
@@ -20488,7 +21018,7 @@
 </p:sld>
 </file>
 
-<file path=ppt/slides/slide22.xml><?xml version="1.0" encoding="utf-8"?>
+<file path=ppt/slides/slide24.xml><?xml version="1.0" encoding="utf-8"?>
 <p:sld xmlns:a="http://schemas.openxmlformats.org/drawingml/2006/main" xmlns:r="http://schemas.openxmlformats.org/officeDocument/2006/relationships" xmlns:p="http://schemas.openxmlformats.org/presentationml/2006/main">
   <p:cSld>
     <p:spTree>
@@ -20583,7 +21113,7 @@
 </p:sld>
 </file>
 
-<file path=ppt/slides/slide23.xml><?xml version="1.0" encoding="utf-8"?>
+<file path=ppt/slides/slide25.xml><?xml version="1.0" encoding="utf-8"?>
 <p:sld xmlns:a="http://schemas.openxmlformats.org/drawingml/2006/main" xmlns:r="http://schemas.openxmlformats.org/officeDocument/2006/relationships" xmlns:p="http://schemas.openxmlformats.org/presentationml/2006/main">
   <p:cSld>
     <p:spTree>
@@ -20706,7 +21236,7 @@
 </p:sld>
 </file>
 
-<file path=ppt/slides/slide24.xml><?xml version="1.0" encoding="utf-8"?>
+<file path=ppt/slides/slide26.xml><?xml version="1.0" encoding="utf-8"?>
 <p:sld xmlns:a="http://schemas.openxmlformats.org/drawingml/2006/main" xmlns:r="http://schemas.openxmlformats.org/officeDocument/2006/relationships" xmlns:p="http://schemas.openxmlformats.org/presentationml/2006/main">
   <p:cSld>
     <p:spTree>
@@ -20801,7 +21331,7 @@
 </p:sld>
 </file>
 
-<file path=ppt/slides/slide25.xml><?xml version="1.0" encoding="utf-8"?>
+<file path=ppt/slides/slide27.xml><?xml version="1.0" encoding="utf-8"?>
 <p:sld xmlns:a="http://schemas.openxmlformats.org/drawingml/2006/main" xmlns:r="http://schemas.openxmlformats.org/officeDocument/2006/relationships" xmlns:p="http://schemas.openxmlformats.org/presentationml/2006/main">
   <p:cSld>
     <p:spTree>
@@ -21641,7 +22171,7 @@
 </p:sld>
 </file>
 
-<file path=ppt/slides/slide26.xml><?xml version="1.0" encoding="utf-8"?>
+<file path=ppt/slides/slide28.xml><?xml version="1.0" encoding="utf-8"?>
 <p:sld xmlns:a="http://schemas.openxmlformats.org/drawingml/2006/main" xmlns:r="http://schemas.openxmlformats.org/officeDocument/2006/relationships" xmlns:p="http://schemas.openxmlformats.org/presentationml/2006/main">
   <p:cSld>
     <p:spTree>
@@ -21736,7 +22266,7 @@
 </p:sld>
 </file>
 
-<file path=ppt/slides/slide27.xml><?xml version="1.0" encoding="utf-8"?>
+<file path=ppt/slides/slide29.xml><?xml version="1.0" encoding="utf-8"?>
 <p:sld xmlns:a="http://schemas.openxmlformats.org/drawingml/2006/main" xmlns:r="http://schemas.openxmlformats.org/officeDocument/2006/relationships" xmlns:p="http://schemas.openxmlformats.org/presentationml/2006/main">
   <p:cSld>
     <p:spTree>

--- a/MLProject.pptx
+++ b/MLProject.pptx
@@ -20440,7 +20440,7 @@
         </p:blipFill>
         <p:spPr>
           <a:xfrm>
-            <a:off x="6340600" y="4037226"/>
+            <a:off x="6340600" y="2102475"/>
             <a:ext cx="2345600" cy="1808374"/>
           </a:xfrm>
           <a:prstGeom prst="rect">
@@ -20468,7 +20468,7 @@
         </p:blipFill>
         <p:spPr>
           <a:xfrm>
-            <a:off x="6340600" y="2102475"/>
+            <a:off x="6340600" y="4037225"/>
             <a:ext cx="2345600" cy="1808374"/>
           </a:xfrm>
           <a:prstGeom prst="rect">
